--- a/ppt 16-9/1073.有一恩手带领.pptx
+++ b/ppt 16-9/1073.有一恩手带领.pptx
@@ -129,7 +129,7 @@
           <p:cNvPr id="2" name="标题 1">
             <a:extLst>
               <a:ext uri="{FF2B5EF4-FFF2-40B4-BE49-F238E27FC236}">
-                <a16:creationId xmlns:a16="http://schemas.microsoft.com/office/drawing/2014/main" id="{3E466C2F-F2AE-E011-6B65-478ECDB513A9}"/>
+                <a16:creationId xmlns:a16="http://schemas.microsoft.com/office/drawing/2014/main" id="{DF1BD2FB-0A8A-EDED-65D4-25999380CE02}"/>
               </a:ext>
             </a:extLst>
           </p:cNvPr>
@@ -166,7 +166,7 @@
           <p:cNvPr id="3" name="副标题 2">
             <a:extLst>
               <a:ext uri="{FF2B5EF4-FFF2-40B4-BE49-F238E27FC236}">
-                <a16:creationId xmlns:a16="http://schemas.microsoft.com/office/drawing/2014/main" id="{243459AF-9839-B620-6DD6-3CD52B5C7B38}"/>
+                <a16:creationId xmlns:a16="http://schemas.microsoft.com/office/drawing/2014/main" id="{0372F33A-C011-0E5E-D479-8617DFCC1C5D}"/>
               </a:ext>
             </a:extLst>
           </p:cNvPr>
@@ -236,7 +236,7 @@
           <p:cNvPr id="4" name="日期占位符 3">
             <a:extLst>
               <a:ext uri="{FF2B5EF4-FFF2-40B4-BE49-F238E27FC236}">
-                <a16:creationId xmlns:a16="http://schemas.microsoft.com/office/drawing/2014/main" id="{AF4DE298-68C8-8AE5-4794-E0C6E1D4A0A6}"/>
+                <a16:creationId xmlns:a16="http://schemas.microsoft.com/office/drawing/2014/main" id="{89C5270E-6D53-CD35-C1F1-8FF442587F64}"/>
               </a:ext>
             </a:extLst>
           </p:cNvPr>
@@ -252,7 +252,7 @@
           <a:bodyPr/>
           <a:lstStyle/>
           <a:p>
-            <a:fld id="{36731F3D-EB66-4011-84D4-A858F0CA8E9A}" type="datetimeFigureOut">
+            <a:fld id="{82AE5A09-9202-42F4-9C57-01C788559B43}" type="datetimeFigureOut">
               <a:rPr lang="zh-CN" altLang="en-US" smtClean="0"/>
               <a:t>2024/3/10</a:t>
             </a:fld>
@@ -265,7 +265,7 @@
           <p:cNvPr id="5" name="页脚占位符 4">
             <a:extLst>
               <a:ext uri="{FF2B5EF4-FFF2-40B4-BE49-F238E27FC236}">
-                <a16:creationId xmlns:a16="http://schemas.microsoft.com/office/drawing/2014/main" id="{2635B5AB-2709-3DDF-A14B-41E662B96D1C}"/>
+                <a16:creationId xmlns:a16="http://schemas.microsoft.com/office/drawing/2014/main" id="{08BFFE45-400A-6C6C-2BAF-E7F01ADB62A1}"/>
               </a:ext>
             </a:extLst>
           </p:cNvPr>
@@ -290,7 +290,7 @@
           <p:cNvPr id="6" name="灯片编号占位符 5">
             <a:extLst>
               <a:ext uri="{FF2B5EF4-FFF2-40B4-BE49-F238E27FC236}">
-                <a16:creationId xmlns:a16="http://schemas.microsoft.com/office/drawing/2014/main" id="{C55EC3E4-9E2B-241F-3EE2-00B6C616C378}"/>
+                <a16:creationId xmlns:a16="http://schemas.microsoft.com/office/drawing/2014/main" id="{5AC816B2-9129-DEF1-1882-677FF2704701}"/>
               </a:ext>
             </a:extLst>
           </p:cNvPr>
@@ -306,7 +306,7 @@
           <a:bodyPr/>
           <a:lstStyle/>
           <a:p>
-            <a:fld id="{B08890FA-F6F0-4D10-A6FE-67CBC153C4F2}" type="slidenum">
+            <a:fld id="{602B780B-53C6-4F7D-90F0-72B60800FA3D}" type="slidenum">
               <a:rPr lang="zh-CN" altLang="en-US" smtClean="0"/>
               <a:t>‹#›</a:t>
             </a:fld>
@@ -317,7 +317,7 @@
     </p:spTree>
     <p:extLst>
       <p:ext uri="{BB962C8B-B14F-4D97-AF65-F5344CB8AC3E}">
-        <p14:creationId xmlns:p14="http://schemas.microsoft.com/office/powerpoint/2010/main" val="3335223374"/>
+        <p14:creationId xmlns:p14="http://schemas.microsoft.com/office/powerpoint/2010/main" val="2968721371"/>
       </p:ext>
     </p:extLst>
   </p:cSld>
@@ -349,7 +349,7 @@
           <p:cNvPr id="2" name="标题 1">
             <a:extLst>
               <a:ext uri="{FF2B5EF4-FFF2-40B4-BE49-F238E27FC236}">
-                <a16:creationId xmlns:a16="http://schemas.microsoft.com/office/drawing/2014/main" id="{FA681E53-5C25-29C5-173B-3B23BB4DBADC}"/>
+                <a16:creationId xmlns:a16="http://schemas.microsoft.com/office/drawing/2014/main" id="{AE59D094-1870-8D67-A3FF-519105B4C3DD}"/>
               </a:ext>
             </a:extLst>
           </p:cNvPr>
@@ -377,7 +377,7 @@
           <p:cNvPr id="3" name="竖排文字占位符 2">
             <a:extLst>
               <a:ext uri="{FF2B5EF4-FFF2-40B4-BE49-F238E27FC236}">
-                <a16:creationId xmlns:a16="http://schemas.microsoft.com/office/drawing/2014/main" id="{2657FBA5-B6EC-7F58-C8CD-5275C327AECC}"/>
+                <a16:creationId xmlns:a16="http://schemas.microsoft.com/office/drawing/2014/main" id="{674A9233-3C9A-6E44-9433-DF21B59E84B8}"/>
               </a:ext>
             </a:extLst>
           </p:cNvPr>
@@ -434,7 +434,7 @@
           <p:cNvPr id="4" name="日期占位符 3">
             <a:extLst>
               <a:ext uri="{FF2B5EF4-FFF2-40B4-BE49-F238E27FC236}">
-                <a16:creationId xmlns:a16="http://schemas.microsoft.com/office/drawing/2014/main" id="{348AE78B-DEA4-58AD-EEF5-E7B08508022A}"/>
+                <a16:creationId xmlns:a16="http://schemas.microsoft.com/office/drawing/2014/main" id="{0E6D6D15-8F22-A56E-8396-63989D98C1F8}"/>
               </a:ext>
             </a:extLst>
           </p:cNvPr>
@@ -450,7 +450,7 @@
           <a:bodyPr/>
           <a:lstStyle/>
           <a:p>
-            <a:fld id="{36731F3D-EB66-4011-84D4-A858F0CA8E9A}" type="datetimeFigureOut">
+            <a:fld id="{82AE5A09-9202-42F4-9C57-01C788559B43}" type="datetimeFigureOut">
               <a:rPr lang="zh-CN" altLang="en-US" smtClean="0"/>
               <a:t>2024/3/10</a:t>
             </a:fld>
@@ -463,7 +463,7 @@
           <p:cNvPr id="5" name="页脚占位符 4">
             <a:extLst>
               <a:ext uri="{FF2B5EF4-FFF2-40B4-BE49-F238E27FC236}">
-                <a16:creationId xmlns:a16="http://schemas.microsoft.com/office/drawing/2014/main" id="{8C07A99C-71B2-8E8A-47C4-65A208B0F115}"/>
+                <a16:creationId xmlns:a16="http://schemas.microsoft.com/office/drawing/2014/main" id="{994DE93F-1AD7-0084-2FA4-C934FE78F228}"/>
               </a:ext>
             </a:extLst>
           </p:cNvPr>
@@ -488,7 +488,7 @@
           <p:cNvPr id="6" name="灯片编号占位符 5">
             <a:extLst>
               <a:ext uri="{FF2B5EF4-FFF2-40B4-BE49-F238E27FC236}">
-                <a16:creationId xmlns:a16="http://schemas.microsoft.com/office/drawing/2014/main" id="{D43DC52A-7BF3-853E-9FC2-E27B264833C4}"/>
+                <a16:creationId xmlns:a16="http://schemas.microsoft.com/office/drawing/2014/main" id="{C4290686-5F18-2FD1-DC4A-71A4705587BD}"/>
               </a:ext>
             </a:extLst>
           </p:cNvPr>
@@ -504,7 +504,7 @@
           <a:bodyPr/>
           <a:lstStyle/>
           <a:p>
-            <a:fld id="{B08890FA-F6F0-4D10-A6FE-67CBC153C4F2}" type="slidenum">
+            <a:fld id="{602B780B-53C6-4F7D-90F0-72B60800FA3D}" type="slidenum">
               <a:rPr lang="zh-CN" altLang="en-US" smtClean="0"/>
               <a:t>‹#›</a:t>
             </a:fld>
@@ -515,7 +515,7 @@
     </p:spTree>
     <p:extLst>
       <p:ext uri="{BB962C8B-B14F-4D97-AF65-F5344CB8AC3E}">
-        <p14:creationId xmlns:p14="http://schemas.microsoft.com/office/powerpoint/2010/main" val="2353396205"/>
+        <p14:creationId xmlns:p14="http://schemas.microsoft.com/office/powerpoint/2010/main" val="3976357339"/>
       </p:ext>
     </p:extLst>
   </p:cSld>
@@ -547,7 +547,7 @@
           <p:cNvPr id="2" name="竖排标题 1">
             <a:extLst>
               <a:ext uri="{FF2B5EF4-FFF2-40B4-BE49-F238E27FC236}">
-                <a16:creationId xmlns:a16="http://schemas.microsoft.com/office/drawing/2014/main" id="{31722E16-0912-AAC6-9A2F-A9F5F2B9E844}"/>
+                <a16:creationId xmlns:a16="http://schemas.microsoft.com/office/drawing/2014/main" id="{D652D2B5-5E63-5534-8D3F-96585423E7A0}"/>
               </a:ext>
             </a:extLst>
           </p:cNvPr>
@@ -580,7 +580,7 @@
           <p:cNvPr id="3" name="竖排文字占位符 2">
             <a:extLst>
               <a:ext uri="{FF2B5EF4-FFF2-40B4-BE49-F238E27FC236}">
-                <a16:creationId xmlns:a16="http://schemas.microsoft.com/office/drawing/2014/main" id="{B85376A5-9F08-3629-534F-EB98700AF691}"/>
+                <a16:creationId xmlns:a16="http://schemas.microsoft.com/office/drawing/2014/main" id="{A2A54D7F-D2A1-BEA1-8C20-7B5B1E84143D}"/>
               </a:ext>
             </a:extLst>
           </p:cNvPr>
@@ -642,7 +642,7 @@
           <p:cNvPr id="4" name="日期占位符 3">
             <a:extLst>
               <a:ext uri="{FF2B5EF4-FFF2-40B4-BE49-F238E27FC236}">
-                <a16:creationId xmlns:a16="http://schemas.microsoft.com/office/drawing/2014/main" id="{77725BA5-3323-8CEF-288E-9614FE1C1753}"/>
+                <a16:creationId xmlns:a16="http://schemas.microsoft.com/office/drawing/2014/main" id="{C0C0858A-2C0B-C5AA-4A54-E0B53980E283}"/>
               </a:ext>
             </a:extLst>
           </p:cNvPr>
@@ -658,7 +658,7 @@
           <a:bodyPr/>
           <a:lstStyle/>
           <a:p>
-            <a:fld id="{36731F3D-EB66-4011-84D4-A858F0CA8E9A}" type="datetimeFigureOut">
+            <a:fld id="{82AE5A09-9202-42F4-9C57-01C788559B43}" type="datetimeFigureOut">
               <a:rPr lang="zh-CN" altLang="en-US" smtClean="0"/>
               <a:t>2024/3/10</a:t>
             </a:fld>
@@ -671,7 +671,7 @@
           <p:cNvPr id="5" name="页脚占位符 4">
             <a:extLst>
               <a:ext uri="{FF2B5EF4-FFF2-40B4-BE49-F238E27FC236}">
-                <a16:creationId xmlns:a16="http://schemas.microsoft.com/office/drawing/2014/main" id="{AC077641-4A3F-66F7-F406-19E561C74A5A}"/>
+                <a16:creationId xmlns:a16="http://schemas.microsoft.com/office/drawing/2014/main" id="{5117783C-06B1-8D69-C52B-A33768067723}"/>
               </a:ext>
             </a:extLst>
           </p:cNvPr>
@@ -696,7 +696,7 @@
           <p:cNvPr id="6" name="灯片编号占位符 5">
             <a:extLst>
               <a:ext uri="{FF2B5EF4-FFF2-40B4-BE49-F238E27FC236}">
-                <a16:creationId xmlns:a16="http://schemas.microsoft.com/office/drawing/2014/main" id="{1FE0961B-46FA-ADCB-6562-7866AC42E6F7}"/>
+                <a16:creationId xmlns:a16="http://schemas.microsoft.com/office/drawing/2014/main" id="{5851F5B9-9896-F952-F930-41689FD5C523}"/>
               </a:ext>
             </a:extLst>
           </p:cNvPr>
@@ -712,7 +712,7 @@
           <a:bodyPr/>
           <a:lstStyle/>
           <a:p>
-            <a:fld id="{B08890FA-F6F0-4D10-A6FE-67CBC153C4F2}" type="slidenum">
+            <a:fld id="{602B780B-53C6-4F7D-90F0-72B60800FA3D}" type="slidenum">
               <a:rPr lang="zh-CN" altLang="en-US" smtClean="0"/>
               <a:t>‹#›</a:t>
             </a:fld>
@@ -723,7 +723,7 @@
     </p:spTree>
     <p:extLst>
       <p:ext uri="{BB962C8B-B14F-4D97-AF65-F5344CB8AC3E}">
-        <p14:creationId xmlns:p14="http://schemas.microsoft.com/office/powerpoint/2010/main" val="2462611130"/>
+        <p14:creationId xmlns:p14="http://schemas.microsoft.com/office/powerpoint/2010/main" val="2549063632"/>
       </p:ext>
     </p:extLst>
   </p:cSld>
@@ -755,7 +755,7 @@
           <p:cNvPr id="2" name="标题 1">
             <a:extLst>
               <a:ext uri="{FF2B5EF4-FFF2-40B4-BE49-F238E27FC236}">
-                <a16:creationId xmlns:a16="http://schemas.microsoft.com/office/drawing/2014/main" id="{44D06895-A26C-BFF0-157E-496E08BAD539}"/>
+                <a16:creationId xmlns:a16="http://schemas.microsoft.com/office/drawing/2014/main" id="{244195E8-653C-552B-46C3-567FFA2012F5}"/>
               </a:ext>
             </a:extLst>
           </p:cNvPr>
@@ -783,7 +783,7 @@
           <p:cNvPr id="3" name="内容占位符 2">
             <a:extLst>
               <a:ext uri="{FF2B5EF4-FFF2-40B4-BE49-F238E27FC236}">
-                <a16:creationId xmlns:a16="http://schemas.microsoft.com/office/drawing/2014/main" id="{09868FE0-04FC-DCF9-8C02-F317A141E381}"/>
+                <a16:creationId xmlns:a16="http://schemas.microsoft.com/office/drawing/2014/main" id="{DF89C567-825E-A5D5-517E-11F6E2EA4D10}"/>
               </a:ext>
             </a:extLst>
           </p:cNvPr>
@@ -840,7 +840,7 @@
           <p:cNvPr id="4" name="日期占位符 3">
             <a:extLst>
               <a:ext uri="{FF2B5EF4-FFF2-40B4-BE49-F238E27FC236}">
-                <a16:creationId xmlns:a16="http://schemas.microsoft.com/office/drawing/2014/main" id="{823AC331-6F4D-45E9-0CAE-F76D471AC2B0}"/>
+                <a16:creationId xmlns:a16="http://schemas.microsoft.com/office/drawing/2014/main" id="{AC6065B3-E7D6-03DE-1409-894B200B71CB}"/>
               </a:ext>
             </a:extLst>
           </p:cNvPr>
@@ -856,7 +856,7 @@
           <a:bodyPr/>
           <a:lstStyle/>
           <a:p>
-            <a:fld id="{36731F3D-EB66-4011-84D4-A858F0CA8E9A}" type="datetimeFigureOut">
+            <a:fld id="{82AE5A09-9202-42F4-9C57-01C788559B43}" type="datetimeFigureOut">
               <a:rPr lang="zh-CN" altLang="en-US" smtClean="0"/>
               <a:t>2024/3/10</a:t>
             </a:fld>
@@ -869,7 +869,7 @@
           <p:cNvPr id="5" name="页脚占位符 4">
             <a:extLst>
               <a:ext uri="{FF2B5EF4-FFF2-40B4-BE49-F238E27FC236}">
-                <a16:creationId xmlns:a16="http://schemas.microsoft.com/office/drawing/2014/main" id="{14794207-4FD4-FF7D-C648-DA808623C596}"/>
+                <a16:creationId xmlns:a16="http://schemas.microsoft.com/office/drawing/2014/main" id="{51FC33C7-AA53-2680-1A0F-9163A7C43764}"/>
               </a:ext>
             </a:extLst>
           </p:cNvPr>
@@ -894,7 +894,7 @@
           <p:cNvPr id="6" name="灯片编号占位符 5">
             <a:extLst>
               <a:ext uri="{FF2B5EF4-FFF2-40B4-BE49-F238E27FC236}">
-                <a16:creationId xmlns:a16="http://schemas.microsoft.com/office/drawing/2014/main" id="{E13C5375-4C19-69D8-ADFF-CD6DD1A319C3}"/>
+                <a16:creationId xmlns:a16="http://schemas.microsoft.com/office/drawing/2014/main" id="{BCC79CB1-5C6B-ED66-957F-D3A5CE113FC4}"/>
               </a:ext>
             </a:extLst>
           </p:cNvPr>
@@ -910,7 +910,7 @@
           <a:bodyPr/>
           <a:lstStyle/>
           <a:p>
-            <a:fld id="{B08890FA-F6F0-4D10-A6FE-67CBC153C4F2}" type="slidenum">
+            <a:fld id="{602B780B-53C6-4F7D-90F0-72B60800FA3D}" type="slidenum">
               <a:rPr lang="zh-CN" altLang="en-US" smtClean="0"/>
               <a:t>‹#›</a:t>
             </a:fld>
@@ -921,7 +921,7 @@
     </p:spTree>
     <p:extLst>
       <p:ext uri="{BB962C8B-B14F-4D97-AF65-F5344CB8AC3E}">
-        <p14:creationId xmlns:p14="http://schemas.microsoft.com/office/powerpoint/2010/main" val="2358866449"/>
+        <p14:creationId xmlns:p14="http://schemas.microsoft.com/office/powerpoint/2010/main" val="2472617319"/>
       </p:ext>
     </p:extLst>
   </p:cSld>
@@ -953,7 +953,7 @@
           <p:cNvPr id="2" name="标题 1">
             <a:extLst>
               <a:ext uri="{FF2B5EF4-FFF2-40B4-BE49-F238E27FC236}">
-                <a16:creationId xmlns:a16="http://schemas.microsoft.com/office/drawing/2014/main" id="{6C424EA0-7980-F7F2-661D-0165CD3CAF74}"/>
+                <a16:creationId xmlns:a16="http://schemas.microsoft.com/office/drawing/2014/main" id="{1239433F-C429-ACBA-A337-8E5A113EE2BC}"/>
               </a:ext>
             </a:extLst>
           </p:cNvPr>
@@ -990,7 +990,7 @@
           <p:cNvPr id="3" name="文本占位符 2">
             <a:extLst>
               <a:ext uri="{FF2B5EF4-FFF2-40B4-BE49-F238E27FC236}">
-                <a16:creationId xmlns:a16="http://schemas.microsoft.com/office/drawing/2014/main" id="{675E93F3-804A-B678-BE1B-A3BC27E4D4A1}"/>
+                <a16:creationId xmlns:a16="http://schemas.microsoft.com/office/drawing/2014/main" id="{F11FD3A5-EB4B-BAEE-181A-EDF39A9DB6F3}"/>
               </a:ext>
             </a:extLst>
           </p:cNvPr>
@@ -1115,7 +1115,7 @@
           <p:cNvPr id="4" name="日期占位符 3">
             <a:extLst>
               <a:ext uri="{FF2B5EF4-FFF2-40B4-BE49-F238E27FC236}">
-                <a16:creationId xmlns:a16="http://schemas.microsoft.com/office/drawing/2014/main" id="{06EE0373-B4F8-E465-F423-FBD22022541E}"/>
+                <a16:creationId xmlns:a16="http://schemas.microsoft.com/office/drawing/2014/main" id="{EBF158F3-C43D-02EF-5BD8-45872CCF85ED}"/>
               </a:ext>
             </a:extLst>
           </p:cNvPr>
@@ -1131,7 +1131,7 @@
           <a:bodyPr/>
           <a:lstStyle/>
           <a:p>
-            <a:fld id="{36731F3D-EB66-4011-84D4-A858F0CA8E9A}" type="datetimeFigureOut">
+            <a:fld id="{82AE5A09-9202-42F4-9C57-01C788559B43}" type="datetimeFigureOut">
               <a:rPr lang="zh-CN" altLang="en-US" smtClean="0"/>
               <a:t>2024/3/10</a:t>
             </a:fld>
@@ -1144,7 +1144,7 @@
           <p:cNvPr id="5" name="页脚占位符 4">
             <a:extLst>
               <a:ext uri="{FF2B5EF4-FFF2-40B4-BE49-F238E27FC236}">
-                <a16:creationId xmlns:a16="http://schemas.microsoft.com/office/drawing/2014/main" id="{6B6AF0BE-0993-4511-313D-D5B6AC5BC586}"/>
+                <a16:creationId xmlns:a16="http://schemas.microsoft.com/office/drawing/2014/main" id="{67E3A027-120E-18AA-C8E8-53986954D219}"/>
               </a:ext>
             </a:extLst>
           </p:cNvPr>
@@ -1169,7 +1169,7 @@
           <p:cNvPr id="6" name="灯片编号占位符 5">
             <a:extLst>
               <a:ext uri="{FF2B5EF4-FFF2-40B4-BE49-F238E27FC236}">
-                <a16:creationId xmlns:a16="http://schemas.microsoft.com/office/drawing/2014/main" id="{A95701D6-0DF9-0133-5A23-9CD66223A656}"/>
+                <a16:creationId xmlns:a16="http://schemas.microsoft.com/office/drawing/2014/main" id="{023CE184-F690-62FF-38C7-42FA75E04CC8}"/>
               </a:ext>
             </a:extLst>
           </p:cNvPr>
@@ -1185,7 +1185,7 @@
           <a:bodyPr/>
           <a:lstStyle/>
           <a:p>
-            <a:fld id="{B08890FA-F6F0-4D10-A6FE-67CBC153C4F2}" type="slidenum">
+            <a:fld id="{602B780B-53C6-4F7D-90F0-72B60800FA3D}" type="slidenum">
               <a:rPr lang="zh-CN" altLang="en-US" smtClean="0"/>
               <a:t>‹#›</a:t>
             </a:fld>
@@ -1196,7 +1196,7 @@
     </p:spTree>
     <p:extLst>
       <p:ext uri="{BB962C8B-B14F-4D97-AF65-F5344CB8AC3E}">
-        <p14:creationId xmlns:p14="http://schemas.microsoft.com/office/powerpoint/2010/main" val="1212149126"/>
+        <p14:creationId xmlns:p14="http://schemas.microsoft.com/office/powerpoint/2010/main" val="3510249376"/>
       </p:ext>
     </p:extLst>
   </p:cSld>
@@ -1228,7 +1228,7 @@
           <p:cNvPr id="2" name="标题 1">
             <a:extLst>
               <a:ext uri="{FF2B5EF4-FFF2-40B4-BE49-F238E27FC236}">
-                <a16:creationId xmlns:a16="http://schemas.microsoft.com/office/drawing/2014/main" id="{E4B80867-8825-8FD5-71B9-A7A9FBCE7F98}"/>
+                <a16:creationId xmlns:a16="http://schemas.microsoft.com/office/drawing/2014/main" id="{B260FFE1-3B62-2B98-6A4C-5F9FB52D5D04}"/>
               </a:ext>
             </a:extLst>
           </p:cNvPr>
@@ -1256,7 +1256,7 @@
           <p:cNvPr id="3" name="内容占位符 2">
             <a:extLst>
               <a:ext uri="{FF2B5EF4-FFF2-40B4-BE49-F238E27FC236}">
-                <a16:creationId xmlns:a16="http://schemas.microsoft.com/office/drawing/2014/main" id="{6191B601-8FAF-3246-BA7C-E20D2694D2E0}"/>
+                <a16:creationId xmlns:a16="http://schemas.microsoft.com/office/drawing/2014/main" id="{96486D15-90FB-C694-168E-AAB0160E4545}"/>
               </a:ext>
             </a:extLst>
           </p:cNvPr>
@@ -1318,7 +1318,7 @@
           <p:cNvPr id="4" name="内容占位符 3">
             <a:extLst>
               <a:ext uri="{FF2B5EF4-FFF2-40B4-BE49-F238E27FC236}">
-                <a16:creationId xmlns:a16="http://schemas.microsoft.com/office/drawing/2014/main" id="{616EB0AA-71D7-06AF-12E2-8C3978E58110}"/>
+                <a16:creationId xmlns:a16="http://schemas.microsoft.com/office/drawing/2014/main" id="{58376715-B8F7-0B6B-AB1C-62F0206CC15A}"/>
               </a:ext>
             </a:extLst>
           </p:cNvPr>
@@ -1380,7 +1380,7 @@
           <p:cNvPr id="5" name="日期占位符 4">
             <a:extLst>
               <a:ext uri="{FF2B5EF4-FFF2-40B4-BE49-F238E27FC236}">
-                <a16:creationId xmlns:a16="http://schemas.microsoft.com/office/drawing/2014/main" id="{F12C5190-529D-5694-A9E8-342810D4DD0C}"/>
+                <a16:creationId xmlns:a16="http://schemas.microsoft.com/office/drawing/2014/main" id="{6A60C2F9-FE2F-22B4-1E8D-F09C8A2C6F51}"/>
               </a:ext>
             </a:extLst>
           </p:cNvPr>
@@ -1396,7 +1396,7 @@
           <a:bodyPr/>
           <a:lstStyle/>
           <a:p>
-            <a:fld id="{36731F3D-EB66-4011-84D4-A858F0CA8E9A}" type="datetimeFigureOut">
+            <a:fld id="{82AE5A09-9202-42F4-9C57-01C788559B43}" type="datetimeFigureOut">
               <a:rPr lang="zh-CN" altLang="en-US" smtClean="0"/>
               <a:t>2024/3/10</a:t>
             </a:fld>
@@ -1409,7 +1409,7 @@
           <p:cNvPr id="6" name="页脚占位符 5">
             <a:extLst>
               <a:ext uri="{FF2B5EF4-FFF2-40B4-BE49-F238E27FC236}">
-                <a16:creationId xmlns:a16="http://schemas.microsoft.com/office/drawing/2014/main" id="{5E037484-845F-FBCA-263D-1565BBA680D1}"/>
+                <a16:creationId xmlns:a16="http://schemas.microsoft.com/office/drawing/2014/main" id="{64D1C9D7-2CC1-3DE3-6B9A-2777C73D3B94}"/>
               </a:ext>
             </a:extLst>
           </p:cNvPr>
@@ -1434,7 +1434,7 @@
           <p:cNvPr id="7" name="灯片编号占位符 6">
             <a:extLst>
               <a:ext uri="{FF2B5EF4-FFF2-40B4-BE49-F238E27FC236}">
-                <a16:creationId xmlns:a16="http://schemas.microsoft.com/office/drawing/2014/main" id="{DFE2DA61-1DE5-A1BC-6D33-0C248F990E55}"/>
+                <a16:creationId xmlns:a16="http://schemas.microsoft.com/office/drawing/2014/main" id="{62824185-9856-DA5D-859B-8BBF8F38B4EC}"/>
               </a:ext>
             </a:extLst>
           </p:cNvPr>
@@ -1450,7 +1450,7 @@
           <a:bodyPr/>
           <a:lstStyle/>
           <a:p>
-            <a:fld id="{B08890FA-F6F0-4D10-A6FE-67CBC153C4F2}" type="slidenum">
+            <a:fld id="{602B780B-53C6-4F7D-90F0-72B60800FA3D}" type="slidenum">
               <a:rPr lang="zh-CN" altLang="en-US" smtClean="0"/>
               <a:t>‹#›</a:t>
             </a:fld>
@@ -1461,7 +1461,7 @@
     </p:spTree>
     <p:extLst>
       <p:ext uri="{BB962C8B-B14F-4D97-AF65-F5344CB8AC3E}">
-        <p14:creationId xmlns:p14="http://schemas.microsoft.com/office/powerpoint/2010/main" val="2710348400"/>
+        <p14:creationId xmlns:p14="http://schemas.microsoft.com/office/powerpoint/2010/main" val="2334540191"/>
       </p:ext>
     </p:extLst>
   </p:cSld>
@@ -1493,7 +1493,7 @@
           <p:cNvPr id="2" name="标题 1">
             <a:extLst>
               <a:ext uri="{FF2B5EF4-FFF2-40B4-BE49-F238E27FC236}">
-                <a16:creationId xmlns:a16="http://schemas.microsoft.com/office/drawing/2014/main" id="{E7AF77B1-2FC5-CACB-AD20-8887F2D1F774}"/>
+                <a16:creationId xmlns:a16="http://schemas.microsoft.com/office/drawing/2014/main" id="{74390305-555A-0BA7-E56B-2AAC82AE876B}"/>
               </a:ext>
             </a:extLst>
           </p:cNvPr>
@@ -1526,7 +1526,7 @@
           <p:cNvPr id="3" name="文本占位符 2">
             <a:extLst>
               <a:ext uri="{FF2B5EF4-FFF2-40B4-BE49-F238E27FC236}">
-                <a16:creationId xmlns:a16="http://schemas.microsoft.com/office/drawing/2014/main" id="{213B7AFE-C3A3-E061-9EC8-6F4CD8B1FFBD}"/>
+                <a16:creationId xmlns:a16="http://schemas.microsoft.com/office/drawing/2014/main" id="{ABD3D7D8-7629-F442-3224-F8E89700C59F}"/>
               </a:ext>
             </a:extLst>
           </p:cNvPr>
@@ -1597,7 +1597,7 @@
           <p:cNvPr id="4" name="内容占位符 3">
             <a:extLst>
               <a:ext uri="{FF2B5EF4-FFF2-40B4-BE49-F238E27FC236}">
-                <a16:creationId xmlns:a16="http://schemas.microsoft.com/office/drawing/2014/main" id="{7DDDA07F-C2F1-39CC-ADBC-F2A28E4696CC}"/>
+                <a16:creationId xmlns:a16="http://schemas.microsoft.com/office/drawing/2014/main" id="{278C31E2-7510-F500-1EFA-E906E2D94D38}"/>
               </a:ext>
             </a:extLst>
           </p:cNvPr>
@@ -1659,7 +1659,7 @@
           <p:cNvPr id="5" name="文本占位符 4">
             <a:extLst>
               <a:ext uri="{FF2B5EF4-FFF2-40B4-BE49-F238E27FC236}">
-                <a16:creationId xmlns:a16="http://schemas.microsoft.com/office/drawing/2014/main" id="{5CFD314C-B993-C3FF-AA4E-4B282413097F}"/>
+                <a16:creationId xmlns:a16="http://schemas.microsoft.com/office/drawing/2014/main" id="{539D1D15-8EEA-7E7A-F228-31EBCCCD5F19}"/>
               </a:ext>
             </a:extLst>
           </p:cNvPr>
@@ -1730,7 +1730,7 @@
           <p:cNvPr id="6" name="内容占位符 5">
             <a:extLst>
               <a:ext uri="{FF2B5EF4-FFF2-40B4-BE49-F238E27FC236}">
-                <a16:creationId xmlns:a16="http://schemas.microsoft.com/office/drawing/2014/main" id="{7B566F0E-C5BE-986C-779B-D734D563FCEE}"/>
+                <a16:creationId xmlns:a16="http://schemas.microsoft.com/office/drawing/2014/main" id="{5BC3F281-0969-3410-3C41-A47EBB1EA63D}"/>
               </a:ext>
             </a:extLst>
           </p:cNvPr>
@@ -1792,7 +1792,7 @@
           <p:cNvPr id="7" name="日期占位符 6">
             <a:extLst>
               <a:ext uri="{FF2B5EF4-FFF2-40B4-BE49-F238E27FC236}">
-                <a16:creationId xmlns:a16="http://schemas.microsoft.com/office/drawing/2014/main" id="{F70DA926-F2D0-BD59-527C-30EB46E93D1D}"/>
+                <a16:creationId xmlns:a16="http://schemas.microsoft.com/office/drawing/2014/main" id="{DE763D8F-2E4A-BBCA-1F82-A099F3F4EA3A}"/>
               </a:ext>
             </a:extLst>
           </p:cNvPr>
@@ -1808,7 +1808,7 @@
           <a:bodyPr/>
           <a:lstStyle/>
           <a:p>
-            <a:fld id="{36731F3D-EB66-4011-84D4-A858F0CA8E9A}" type="datetimeFigureOut">
+            <a:fld id="{82AE5A09-9202-42F4-9C57-01C788559B43}" type="datetimeFigureOut">
               <a:rPr lang="zh-CN" altLang="en-US" smtClean="0"/>
               <a:t>2024/3/10</a:t>
             </a:fld>
@@ -1821,7 +1821,7 @@
           <p:cNvPr id="8" name="页脚占位符 7">
             <a:extLst>
               <a:ext uri="{FF2B5EF4-FFF2-40B4-BE49-F238E27FC236}">
-                <a16:creationId xmlns:a16="http://schemas.microsoft.com/office/drawing/2014/main" id="{E4A83D54-57C5-AD0A-77CE-5096CB94F1AD}"/>
+                <a16:creationId xmlns:a16="http://schemas.microsoft.com/office/drawing/2014/main" id="{E32C1F7D-29BD-90B2-D3C7-866224902B71}"/>
               </a:ext>
             </a:extLst>
           </p:cNvPr>
@@ -1846,7 +1846,7 @@
           <p:cNvPr id="9" name="灯片编号占位符 8">
             <a:extLst>
               <a:ext uri="{FF2B5EF4-FFF2-40B4-BE49-F238E27FC236}">
-                <a16:creationId xmlns:a16="http://schemas.microsoft.com/office/drawing/2014/main" id="{56EF1593-867F-C329-AA73-568676D35861}"/>
+                <a16:creationId xmlns:a16="http://schemas.microsoft.com/office/drawing/2014/main" id="{095396E4-02C7-BA7C-C384-280CB8E76B45}"/>
               </a:ext>
             </a:extLst>
           </p:cNvPr>
@@ -1862,7 +1862,7 @@
           <a:bodyPr/>
           <a:lstStyle/>
           <a:p>
-            <a:fld id="{B08890FA-F6F0-4D10-A6FE-67CBC153C4F2}" type="slidenum">
+            <a:fld id="{602B780B-53C6-4F7D-90F0-72B60800FA3D}" type="slidenum">
               <a:rPr lang="zh-CN" altLang="en-US" smtClean="0"/>
               <a:t>‹#›</a:t>
             </a:fld>
@@ -1873,7 +1873,7 @@
     </p:spTree>
     <p:extLst>
       <p:ext uri="{BB962C8B-B14F-4D97-AF65-F5344CB8AC3E}">
-        <p14:creationId xmlns:p14="http://schemas.microsoft.com/office/powerpoint/2010/main" val="756103566"/>
+        <p14:creationId xmlns:p14="http://schemas.microsoft.com/office/powerpoint/2010/main" val="2131703748"/>
       </p:ext>
     </p:extLst>
   </p:cSld>
@@ -1905,7 +1905,7 @@
           <p:cNvPr id="2" name="标题 1">
             <a:extLst>
               <a:ext uri="{FF2B5EF4-FFF2-40B4-BE49-F238E27FC236}">
-                <a16:creationId xmlns:a16="http://schemas.microsoft.com/office/drawing/2014/main" id="{737162D8-147E-E639-5F4F-69C6830F2407}"/>
+                <a16:creationId xmlns:a16="http://schemas.microsoft.com/office/drawing/2014/main" id="{BF2D3908-C3F4-8D41-B372-75FF58BB2180}"/>
               </a:ext>
             </a:extLst>
           </p:cNvPr>
@@ -1933,7 +1933,7 @@
           <p:cNvPr id="3" name="日期占位符 2">
             <a:extLst>
               <a:ext uri="{FF2B5EF4-FFF2-40B4-BE49-F238E27FC236}">
-                <a16:creationId xmlns:a16="http://schemas.microsoft.com/office/drawing/2014/main" id="{D2EE7AD8-61EE-E146-5FE3-84CEFB1A1B3A}"/>
+                <a16:creationId xmlns:a16="http://schemas.microsoft.com/office/drawing/2014/main" id="{420E3E9A-201E-84CD-8E77-932FF7A9A295}"/>
               </a:ext>
             </a:extLst>
           </p:cNvPr>
@@ -1949,7 +1949,7 @@
           <a:bodyPr/>
           <a:lstStyle/>
           <a:p>
-            <a:fld id="{36731F3D-EB66-4011-84D4-A858F0CA8E9A}" type="datetimeFigureOut">
+            <a:fld id="{82AE5A09-9202-42F4-9C57-01C788559B43}" type="datetimeFigureOut">
               <a:rPr lang="zh-CN" altLang="en-US" smtClean="0"/>
               <a:t>2024/3/10</a:t>
             </a:fld>
@@ -1962,7 +1962,7 @@
           <p:cNvPr id="4" name="页脚占位符 3">
             <a:extLst>
               <a:ext uri="{FF2B5EF4-FFF2-40B4-BE49-F238E27FC236}">
-                <a16:creationId xmlns:a16="http://schemas.microsoft.com/office/drawing/2014/main" id="{C2C07539-638C-F621-E08C-3660C247C7B8}"/>
+                <a16:creationId xmlns:a16="http://schemas.microsoft.com/office/drawing/2014/main" id="{4750FA3B-0DEE-1D16-A314-126056A6BF50}"/>
               </a:ext>
             </a:extLst>
           </p:cNvPr>
@@ -1987,7 +1987,7 @@
           <p:cNvPr id="5" name="灯片编号占位符 4">
             <a:extLst>
               <a:ext uri="{FF2B5EF4-FFF2-40B4-BE49-F238E27FC236}">
-                <a16:creationId xmlns:a16="http://schemas.microsoft.com/office/drawing/2014/main" id="{F5E2C02C-1344-5420-A4F7-B724041A0BB5}"/>
+                <a16:creationId xmlns:a16="http://schemas.microsoft.com/office/drawing/2014/main" id="{FC9EA841-DFA4-446F-4A7A-F218EB2B7BD1}"/>
               </a:ext>
             </a:extLst>
           </p:cNvPr>
@@ -2003,7 +2003,7 @@
           <a:bodyPr/>
           <a:lstStyle/>
           <a:p>
-            <a:fld id="{B08890FA-F6F0-4D10-A6FE-67CBC153C4F2}" type="slidenum">
+            <a:fld id="{602B780B-53C6-4F7D-90F0-72B60800FA3D}" type="slidenum">
               <a:rPr lang="zh-CN" altLang="en-US" smtClean="0"/>
               <a:t>‹#›</a:t>
             </a:fld>
@@ -2014,7 +2014,7 @@
     </p:spTree>
     <p:extLst>
       <p:ext uri="{BB962C8B-B14F-4D97-AF65-F5344CB8AC3E}">
-        <p14:creationId xmlns:p14="http://schemas.microsoft.com/office/powerpoint/2010/main" val="2659991755"/>
+        <p14:creationId xmlns:p14="http://schemas.microsoft.com/office/powerpoint/2010/main" val="2197848729"/>
       </p:ext>
     </p:extLst>
   </p:cSld>
@@ -2046,7 +2046,7 @@
           <p:cNvPr id="2" name="日期占位符 1">
             <a:extLst>
               <a:ext uri="{FF2B5EF4-FFF2-40B4-BE49-F238E27FC236}">
-                <a16:creationId xmlns:a16="http://schemas.microsoft.com/office/drawing/2014/main" id="{08000AB3-A286-7265-E375-41EAE9E9FEFA}"/>
+                <a16:creationId xmlns:a16="http://schemas.microsoft.com/office/drawing/2014/main" id="{B9842315-BB01-300E-038A-5F730FAECD7A}"/>
               </a:ext>
             </a:extLst>
           </p:cNvPr>
@@ -2062,7 +2062,7 @@
           <a:bodyPr/>
           <a:lstStyle/>
           <a:p>
-            <a:fld id="{36731F3D-EB66-4011-84D4-A858F0CA8E9A}" type="datetimeFigureOut">
+            <a:fld id="{82AE5A09-9202-42F4-9C57-01C788559B43}" type="datetimeFigureOut">
               <a:rPr lang="zh-CN" altLang="en-US" smtClean="0"/>
               <a:t>2024/3/10</a:t>
             </a:fld>
@@ -2075,7 +2075,7 @@
           <p:cNvPr id="3" name="页脚占位符 2">
             <a:extLst>
               <a:ext uri="{FF2B5EF4-FFF2-40B4-BE49-F238E27FC236}">
-                <a16:creationId xmlns:a16="http://schemas.microsoft.com/office/drawing/2014/main" id="{08598C9A-4502-BAF8-D09E-ABA74080D0AE}"/>
+                <a16:creationId xmlns:a16="http://schemas.microsoft.com/office/drawing/2014/main" id="{38488B62-6C1E-2DA6-9D20-A75E476863C6}"/>
               </a:ext>
             </a:extLst>
           </p:cNvPr>
@@ -2100,7 +2100,7 @@
           <p:cNvPr id="4" name="灯片编号占位符 3">
             <a:extLst>
               <a:ext uri="{FF2B5EF4-FFF2-40B4-BE49-F238E27FC236}">
-                <a16:creationId xmlns:a16="http://schemas.microsoft.com/office/drawing/2014/main" id="{461C71E3-E6C4-703D-2914-C7485C291625}"/>
+                <a16:creationId xmlns:a16="http://schemas.microsoft.com/office/drawing/2014/main" id="{482968C2-6F21-C59A-17A2-D013E876E2C0}"/>
               </a:ext>
             </a:extLst>
           </p:cNvPr>
@@ -2116,7 +2116,7 @@
           <a:bodyPr/>
           <a:lstStyle/>
           <a:p>
-            <a:fld id="{B08890FA-F6F0-4D10-A6FE-67CBC153C4F2}" type="slidenum">
+            <a:fld id="{602B780B-53C6-4F7D-90F0-72B60800FA3D}" type="slidenum">
               <a:rPr lang="zh-CN" altLang="en-US" smtClean="0"/>
               <a:t>‹#›</a:t>
             </a:fld>
@@ -2127,7 +2127,7 @@
     </p:spTree>
     <p:extLst>
       <p:ext uri="{BB962C8B-B14F-4D97-AF65-F5344CB8AC3E}">
-        <p14:creationId xmlns:p14="http://schemas.microsoft.com/office/powerpoint/2010/main" val="873582762"/>
+        <p14:creationId xmlns:p14="http://schemas.microsoft.com/office/powerpoint/2010/main" val="1355231576"/>
       </p:ext>
     </p:extLst>
   </p:cSld>
@@ -2159,7 +2159,7 @@
           <p:cNvPr id="2" name="标题 1">
             <a:extLst>
               <a:ext uri="{FF2B5EF4-FFF2-40B4-BE49-F238E27FC236}">
-                <a16:creationId xmlns:a16="http://schemas.microsoft.com/office/drawing/2014/main" id="{AAEEA6B1-A88D-101B-C30C-959459CAC179}"/>
+                <a16:creationId xmlns:a16="http://schemas.microsoft.com/office/drawing/2014/main" id="{4C4D74CC-962E-23E4-1ADA-CA7772F9B088}"/>
               </a:ext>
             </a:extLst>
           </p:cNvPr>
@@ -2196,7 +2196,7 @@
           <p:cNvPr id="3" name="内容占位符 2">
             <a:extLst>
               <a:ext uri="{FF2B5EF4-FFF2-40B4-BE49-F238E27FC236}">
-                <a16:creationId xmlns:a16="http://schemas.microsoft.com/office/drawing/2014/main" id="{A2CD1BD3-3558-3A90-0CB8-C56FE75B96F6}"/>
+                <a16:creationId xmlns:a16="http://schemas.microsoft.com/office/drawing/2014/main" id="{E985A814-9550-C4EF-A967-CEDF11558EC7}"/>
               </a:ext>
             </a:extLst>
           </p:cNvPr>
@@ -2286,7 +2286,7 @@
           <p:cNvPr id="4" name="文本占位符 3">
             <a:extLst>
               <a:ext uri="{FF2B5EF4-FFF2-40B4-BE49-F238E27FC236}">
-                <a16:creationId xmlns:a16="http://schemas.microsoft.com/office/drawing/2014/main" id="{35FFB13C-07BF-63E1-3EA3-8EEEEA3922FD}"/>
+                <a16:creationId xmlns:a16="http://schemas.microsoft.com/office/drawing/2014/main" id="{D44F1689-9287-8581-A35E-43BE5BA86C08}"/>
               </a:ext>
             </a:extLst>
           </p:cNvPr>
@@ -2357,7 +2357,7 @@
           <p:cNvPr id="5" name="日期占位符 4">
             <a:extLst>
               <a:ext uri="{FF2B5EF4-FFF2-40B4-BE49-F238E27FC236}">
-                <a16:creationId xmlns:a16="http://schemas.microsoft.com/office/drawing/2014/main" id="{701B1678-30B0-239B-D2FD-A9F0CC9C2DD4}"/>
+                <a16:creationId xmlns:a16="http://schemas.microsoft.com/office/drawing/2014/main" id="{99363A07-D5FE-99D5-1AB7-30A3CADF54B4}"/>
               </a:ext>
             </a:extLst>
           </p:cNvPr>
@@ -2373,7 +2373,7 @@
           <a:bodyPr/>
           <a:lstStyle/>
           <a:p>
-            <a:fld id="{36731F3D-EB66-4011-84D4-A858F0CA8E9A}" type="datetimeFigureOut">
+            <a:fld id="{82AE5A09-9202-42F4-9C57-01C788559B43}" type="datetimeFigureOut">
               <a:rPr lang="zh-CN" altLang="en-US" smtClean="0"/>
               <a:t>2024/3/10</a:t>
             </a:fld>
@@ -2386,7 +2386,7 @@
           <p:cNvPr id="6" name="页脚占位符 5">
             <a:extLst>
               <a:ext uri="{FF2B5EF4-FFF2-40B4-BE49-F238E27FC236}">
-                <a16:creationId xmlns:a16="http://schemas.microsoft.com/office/drawing/2014/main" id="{A477D474-5ECB-B51D-E3AF-7C34C9C3D0B0}"/>
+                <a16:creationId xmlns:a16="http://schemas.microsoft.com/office/drawing/2014/main" id="{C5592429-3E7D-37F7-9313-B47AE1AE31CF}"/>
               </a:ext>
             </a:extLst>
           </p:cNvPr>
@@ -2411,7 +2411,7 @@
           <p:cNvPr id="7" name="灯片编号占位符 6">
             <a:extLst>
               <a:ext uri="{FF2B5EF4-FFF2-40B4-BE49-F238E27FC236}">
-                <a16:creationId xmlns:a16="http://schemas.microsoft.com/office/drawing/2014/main" id="{26928121-E12E-0993-337A-7FF3FF9DC7DA}"/>
+                <a16:creationId xmlns:a16="http://schemas.microsoft.com/office/drawing/2014/main" id="{D59328FB-9D96-1EDE-28FA-89BEA4E6E946}"/>
               </a:ext>
             </a:extLst>
           </p:cNvPr>
@@ -2427,7 +2427,7 @@
           <a:bodyPr/>
           <a:lstStyle/>
           <a:p>
-            <a:fld id="{B08890FA-F6F0-4D10-A6FE-67CBC153C4F2}" type="slidenum">
+            <a:fld id="{602B780B-53C6-4F7D-90F0-72B60800FA3D}" type="slidenum">
               <a:rPr lang="zh-CN" altLang="en-US" smtClean="0"/>
               <a:t>‹#›</a:t>
             </a:fld>
@@ -2438,7 +2438,7 @@
     </p:spTree>
     <p:extLst>
       <p:ext uri="{BB962C8B-B14F-4D97-AF65-F5344CB8AC3E}">
-        <p14:creationId xmlns:p14="http://schemas.microsoft.com/office/powerpoint/2010/main" val="2116853967"/>
+        <p14:creationId xmlns:p14="http://schemas.microsoft.com/office/powerpoint/2010/main" val="342942582"/>
       </p:ext>
     </p:extLst>
   </p:cSld>
@@ -2470,7 +2470,7 @@
           <p:cNvPr id="2" name="标题 1">
             <a:extLst>
               <a:ext uri="{FF2B5EF4-FFF2-40B4-BE49-F238E27FC236}">
-                <a16:creationId xmlns:a16="http://schemas.microsoft.com/office/drawing/2014/main" id="{DB53CC6C-45E9-90AE-538A-A3768B1B6AF2}"/>
+                <a16:creationId xmlns:a16="http://schemas.microsoft.com/office/drawing/2014/main" id="{123420D7-E1D8-B259-4414-2D51067B4D3B}"/>
               </a:ext>
             </a:extLst>
           </p:cNvPr>
@@ -2507,7 +2507,7 @@
           <p:cNvPr id="3" name="图片占位符 2">
             <a:extLst>
               <a:ext uri="{FF2B5EF4-FFF2-40B4-BE49-F238E27FC236}">
-                <a16:creationId xmlns:a16="http://schemas.microsoft.com/office/drawing/2014/main" id="{60B538E0-E459-9A1B-6710-F5D3803FB61E}"/>
+                <a16:creationId xmlns:a16="http://schemas.microsoft.com/office/drawing/2014/main" id="{6BA627A0-7CEF-D471-C0FD-ABAC5CD43B52}"/>
               </a:ext>
             </a:extLst>
           </p:cNvPr>
@@ -2574,7 +2574,7 @@
           <p:cNvPr id="4" name="文本占位符 3">
             <a:extLst>
               <a:ext uri="{FF2B5EF4-FFF2-40B4-BE49-F238E27FC236}">
-                <a16:creationId xmlns:a16="http://schemas.microsoft.com/office/drawing/2014/main" id="{C8787622-DF23-A05F-A941-10CB1DE788E5}"/>
+                <a16:creationId xmlns:a16="http://schemas.microsoft.com/office/drawing/2014/main" id="{112DCEF9-5305-56A3-486F-193213991728}"/>
               </a:ext>
             </a:extLst>
           </p:cNvPr>
@@ -2645,7 +2645,7 @@
           <p:cNvPr id="5" name="日期占位符 4">
             <a:extLst>
               <a:ext uri="{FF2B5EF4-FFF2-40B4-BE49-F238E27FC236}">
-                <a16:creationId xmlns:a16="http://schemas.microsoft.com/office/drawing/2014/main" id="{1D570F51-F34D-2CDA-85A6-0BAA3DDEC8F8}"/>
+                <a16:creationId xmlns:a16="http://schemas.microsoft.com/office/drawing/2014/main" id="{85D3D879-129C-1194-A5D8-061D700AC860}"/>
               </a:ext>
             </a:extLst>
           </p:cNvPr>
@@ -2661,7 +2661,7 @@
           <a:bodyPr/>
           <a:lstStyle/>
           <a:p>
-            <a:fld id="{36731F3D-EB66-4011-84D4-A858F0CA8E9A}" type="datetimeFigureOut">
+            <a:fld id="{82AE5A09-9202-42F4-9C57-01C788559B43}" type="datetimeFigureOut">
               <a:rPr lang="zh-CN" altLang="en-US" smtClean="0"/>
               <a:t>2024/3/10</a:t>
             </a:fld>
@@ -2674,7 +2674,7 @@
           <p:cNvPr id="6" name="页脚占位符 5">
             <a:extLst>
               <a:ext uri="{FF2B5EF4-FFF2-40B4-BE49-F238E27FC236}">
-                <a16:creationId xmlns:a16="http://schemas.microsoft.com/office/drawing/2014/main" id="{BACDF814-7C21-7A01-45B1-664D618B0A84}"/>
+                <a16:creationId xmlns:a16="http://schemas.microsoft.com/office/drawing/2014/main" id="{562243AA-1736-A35F-6F84-9C5E1FF10F90}"/>
               </a:ext>
             </a:extLst>
           </p:cNvPr>
@@ -2699,7 +2699,7 @@
           <p:cNvPr id="7" name="灯片编号占位符 6">
             <a:extLst>
               <a:ext uri="{FF2B5EF4-FFF2-40B4-BE49-F238E27FC236}">
-                <a16:creationId xmlns:a16="http://schemas.microsoft.com/office/drawing/2014/main" id="{745F9EC1-8907-5B5E-66C9-17C2FAEDB64D}"/>
+                <a16:creationId xmlns:a16="http://schemas.microsoft.com/office/drawing/2014/main" id="{A7051670-EA22-EA2A-5057-EBEB8C704387}"/>
               </a:ext>
             </a:extLst>
           </p:cNvPr>
@@ -2715,7 +2715,7 @@
           <a:bodyPr/>
           <a:lstStyle/>
           <a:p>
-            <a:fld id="{B08890FA-F6F0-4D10-A6FE-67CBC153C4F2}" type="slidenum">
+            <a:fld id="{602B780B-53C6-4F7D-90F0-72B60800FA3D}" type="slidenum">
               <a:rPr lang="zh-CN" altLang="en-US" smtClean="0"/>
               <a:t>‹#›</a:t>
             </a:fld>
@@ -2726,7 +2726,7 @@
     </p:spTree>
     <p:extLst>
       <p:ext uri="{BB962C8B-B14F-4D97-AF65-F5344CB8AC3E}">
-        <p14:creationId xmlns:p14="http://schemas.microsoft.com/office/powerpoint/2010/main" val="3131591971"/>
+        <p14:creationId xmlns:p14="http://schemas.microsoft.com/office/powerpoint/2010/main" val="2286608212"/>
       </p:ext>
     </p:extLst>
   </p:cSld>
@@ -2763,7 +2763,7 @@
           <p:cNvPr id="2" name="标题占位符 1">
             <a:extLst>
               <a:ext uri="{FF2B5EF4-FFF2-40B4-BE49-F238E27FC236}">
-                <a16:creationId xmlns:a16="http://schemas.microsoft.com/office/drawing/2014/main" id="{59FFD8CC-FAFB-8F79-A303-140B3277BF39}"/>
+                <a16:creationId xmlns:a16="http://schemas.microsoft.com/office/drawing/2014/main" id="{0BB085B6-9F5A-4904-EB12-5033F584EA54}"/>
               </a:ext>
             </a:extLst>
           </p:cNvPr>
@@ -2801,7 +2801,7 @@
           <p:cNvPr id="3" name="文本占位符 2">
             <a:extLst>
               <a:ext uri="{FF2B5EF4-FFF2-40B4-BE49-F238E27FC236}">
-                <a16:creationId xmlns:a16="http://schemas.microsoft.com/office/drawing/2014/main" id="{FC443DCE-CB9F-07C5-CE1A-29F72B246ECF}"/>
+                <a16:creationId xmlns:a16="http://schemas.microsoft.com/office/drawing/2014/main" id="{90AAED52-21BD-B3A4-069F-2A81EDD1167B}"/>
               </a:ext>
             </a:extLst>
           </p:cNvPr>
@@ -2868,7 +2868,7 @@
           <p:cNvPr id="4" name="日期占位符 3">
             <a:extLst>
               <a:ext uri="{FF2B5EF4-FFF2-40B4-BE49-F238E27FC236}">
-                <a16:creationId xmlns:a16="http://schemas.microsoft.com/office/drawing/2014/main" id="{3092286E-23D0-2A28-AAF2-78C6D39B8EC7}"/>
+                <a16:creationId xmlns:a16="http://schemas.microsoft.com/office/drawing/2014/main" id="{76BC72A2-914F-560C-D700-73793B5755C0}"/>
               </a:ext>
             </a:extLst>
           </p:cNvPr>
@@ -2902,7 +2902,7 @@
             </a:lvl1pPr>
           </a:lstStyle>
           <a:p>
-            <a:fld id="{36731F3D-EB66-4011-84D4-A858F0CA8E9A}" type="datetimeFigureOut">
+            <a:fld id="{82AE5A09-9202-42F4-9C57-01C788559B43}" type="datetimeFigureOut">
               <a:rPr lang="zh-CN" altLang="en-US" smtClean="0"/>
               <a:t>2024/3/10</a:t>
             </a:fld>
@@ -2915,7 +2915,7 @@
           <p:cNvPr id="5" name="页脚占位符 4">
             <a:extLst>
               <a:ext uri="{FF2B5EF4-FFF2-40B4-BE49-F238E27FC236}">
-                <a16:creationId xmlns:a16="http://schemas.microsoft.com/office/drawing/2014/main" id="{297698A3-9487-264A-B8D8-8E90FFE53815}"/>
+                <a16:creationId xmlns:a16="http://schemas.microsoft.com/office/drawing/2014/main" id="{11CA6465-C507-8BA2-F807-94812FAC2726}"/>
               </a:ext>
             </a:extLst>
           </p:cNvPr>
@@ -2958,7 +2958,7 @@
           <p:cNvPr id="6" name="灯片编号占位符 5">
             <a:extLst>
               <a:ext uri="{FF2B5EF4-FFF2-40B4-BE49-F238E27FC236}">
-                <a16:creationId xmlns:a16="http://schemas.microsoft.com/office/drawing/2014/main" id="{469D9DA6-D897-0F30-EC60-E273CEF66C07}"/>
+                <a16:creationId xmlns:a16="http://schemas.microsoft.com/office/drawing/2014/main" id="{D2F61672-9448-D4BF-2E37-8D81E87C20B5}"/>
               </a:ext>
             </a:extLst>
           </p:cNvPr>
@@ -2992,7 +2992,7 @@
             </a:lvl1pPr>
           </a:lstStyle>
           <a:p>
-            <a:fld id="{B08890FA-F6F0-4D10-A6FE-67CBC153C4F2}" type="slidenum">
+            <a:fld id="{602B780B-53C6-4F7D-90F0-72B60800FA3D}" type="slidenum">
               <a:rPr lang="zh-CN" altLang="en-US" smtClean="0"/>
               <a:t>‹#›</a:t>
             </a:fld>
@@ -3003,7 +3003,7 @@
     </p:spTree>
     <p:extLst>
       <p:ext uri="{BB962C8B-B14F-4D97-AF65-F5344CB8AC3E}">
-        <p14:creationId xmlns:p14="http://schemas.microsoft.com/office/powerpoint/2010/main" val="249623172"/>
+        <p14:creationId xmlns:p14="http://schemas.microsoft.com/office/powerpoint/2010/main" val="1186803331"/>
       </p:ext>
     </p:extLst>
   </p:cSld>
